--- a/git-commit-code-review/Presentation1.pptx
+++ b/git-commit-code-review/Presentation1.pptx
@@ -76,7 +76,8 @@
     <p:sldId id="356" r:id="rId70"/>
     <p:sldId id="337" r:id="rId71"/>
     <p:sldId id="362" r:id="rId72"/>
-    <p:sldId id="354" r:id="rId73"/>
+    <p:sldId id="399" r:id="rId73"/>
+    <p:sldId id="400" r:id="rId74"/>
   </p:sldIdLst>
   <p:sldSz cx="12192000" cy="6858000"/>
   <p:notesSz cx="6858000" cy="9144000"/>
@@ -314,7 +315,7 @@
           <a:p>
             <a:fld id="{D1A7C883-74E3-4B9D-9F30-DE485678C619}" type="datetimeFigureOut">
               <a:rPr lang="en-US" smtClean="0"/>
-              <a:t>8/19/2015</a:t>
+              <a:t>8/20/2015</a:t>
             </a:fld>
             <a:endParaRPr lang="en-US"/>
           </a:p>
@@ -484,7 +485,7 @@
           <a:p>
             <a:fld id="{D1A7C883-74E3-4B9D-9F30-DE485678C619}" type="datetimeFigureOut">
               <a:rPr lang="en-US" smtClean="0"/>
-              <a:t>8/19/2015</a:t>
+              <a:t>8/20/2015</a:t>
             </a:fld>
             <a:endParaRPr lang="en-US"/>
           </a:p>
@@ -664,7 +665,7 @@
           <a:p>
             <a:fld id="{D1A7C883-74E3-4B9D-9F30-DE485678C619}" type="datetimeFigureOut">
               <a:rPr lang="en-US" smtClean="0"/>
-              <a:t>8/19/2015</a:t>
+              <a:t>8/20/2015</a:t>
             </a:fld>
             <a:endParaRPr lang="en-US"/>
           </a:p>
@@ -834,7 +835,7 @@
           <a:p>
             <a:fld id="{D1A7C883-74E3-4B9D-9F30-DE485678C619}" type="datetimeFigureOut">
               <a:rPr lang="en-US" smtClean="0"/>
-              <a:t>8/19/2015</a:t>
+              <a:t>8/20/2015</a:t>
             </a:fld>
             <a:endParaRPr lang="en-US"/>
           </a:p>
@@ -1087,7 +1088,7 @@
           <a:p>
             <a:fld id="{D1A7C883-74E3-4B9D-9F30-DE485678C619}" type="datetimeFigureOut">
               <a:rPr lang="en-US" smtClean="0"/>
-              <a:t>8/19/2015</a:t>
+              <a:t>8/20/2015</a:t>
             </a:fld>
             <a:endParaRPr lang="en-US"/>
           </a:p>
@@ -1319,7 +1320,7 @@
           <a:p>
             <a:fld id="{D1A7C883-74E3-4B9D-9F30-DE485678C619}" type="datetimeFigureOut">
               <a:rPr lang="en-US" smtClean="0"/>
-              <a:t>8/19/2015</a:t>
+              <a:t>8/20/2015</a:t>
             </a:fld>
             <a:endParaRPr lang="en-US"/>
           </a:p>
@@ -1686,7 +1687,7 @@
           <a:p>
             <a:fld id="{D1A7C883-74E3-4B9D-9F30-DE485678C619}" type="datetimeFigureOut">
               <a:rPr lang="en-US" smtClean="0"/>
-              <a:t>8/19/2015</a:t>
+              <a:t>8/20/2015</a:t>
             </a:fld>
             <a:endParaRPr lang="en-US"/>
           </a:p>
@@ -1804,7 +1805,7 @@
           <a:p>
             <a:fld id="{D1A7C883-74E3-4B9D-9F30-DE485678C619}" type="datetimeFigureOut">
               <a:rPr lang="en-US" smtClean="0"/>
-              <a:t>8/19/2015</a:t>
+              <a:t>8/20/2015</a:t>
             </a:fld>
             <a:endParaRPr lang="en-US"/>
           </a:p>
@@ -1899,7 +1900,7 @@
           <a:p>
             <a:fld id="{D1A7C883-74E3-4B9D-9F30-DE485678C619}" type="datetimeFigureOut">
               <a:rPr lang="en-US" smtClean="0"/>
-              <a:t>8/19/2015</a:t>
+              <a:t>8/20/2015</a:t>
             </a:fld>
             <a:endParaRPr lang="en-US"/>
           </a:p>
@@ -2176,7 +2177,7 @@
           <a:p>
             <a:fld id="{D1A7C883-74E3-4B9D-9F30-DE485678C619}" type="datetimeFigureOut">
               <a:rPr lang="en-US" smtClean="0"/>
-              <a:t>8/19/2015</a:t>
+              <a:t>8/20/2015</a:t>
             </a:fld>
             <a:endParaRPr lang="en-US"/>
           </a:p>
@@ -2429,7 +2430,7 @@
           <a:p>
             <a:fld id="{D1A7C883-74E3-4B9D-9F30-DE485678C619}" type="datetimeFigureOut">
               <a:rPr lang="en-US" smtClean="0"/>
-              <a:t>8/19/2015</a:t>
+              <a:t>8/20/2015</a:t>
             </a:fld>
             <a:endParaRPr lang="en-US"/>
           </a:p>
@@ -2642,7 +2643,7 @@
           <a:p>
             <a:fld id="{D1A7C883-74E3-4B9D-9F30-DE485678C619}" type="datetimeFigureOut">
               <a:rPr lang="en-US" smtClean="0"/>
-              <a:t>8/19/2015</a:t>
+              <a:t>8/20/2015</a:t>
             </a:fld>
             <a:endParaRPr lang="en-US"/>
           </a:p>
@@ -6164,17 +6165,12 @@
           <a:p>
             <a:r>
               <a:rPr lang="ru-RU" dirty="0" smtClean="0"/>
-              <a:t>Есть </a:t>
-            </a:r>
-            <a:r>
-              <a:rPr lang="ru-RU" dirty="0" smtClean="0"/>
-              <a:t>идея! - </a:t>
+              <a:t>Есть идея! - </a:t>
             </a:r>
             <a:r>
               <a:rPr lang="en-US" dirty="0"/>
               <a:t>Directed Acyclic Graph</a:t>
             </a:r>
-            <a:endParaRPr lang="en-US" dirty="0"/>
           </a:p>
         </p:txBody>
       </p:sp>
@@ -8960,7 +8956,7 @@
             </a:r>
             <a:r>
               <a:rPr lang="en-US" b="1" dirty="0" smtClean="0"/>
-              <a:t>references\heads\</a:t>
+              <a:t>references\branches\</a:t>
             </a:r>
             <a:r>
               <a:rPr lang="en-US" b="1" dirty="0" smtClean="0">
@@ -9346,12 +9342,8 @@
               <a:t>\</a:t>
             </a:r>
             <a:r>
-              <a:rPr lang="en-US" b="1" dirty="0" smtClean="0"/>
-              <a:t>references\heads</a:t>
-            </a:r>
-            <a:r>
               <a:rPr lang="en-US" b="1" dirty="0"/>
-              <a:t>\</a:t>
+              <a:t>references\branches\</a:t>
             </a:r>
             <a:r>
               <a:rPr lang="en-US" b="1" dirty="0" smtClean="0">
@@ -9365,6 +9357,7 @@
               <a:rPr lang="en-US" b="1" dirty="0" smtClean="0"/>
               <a:t>.txt</a:t>
             </a:r>
+            <a:endParaRPr lang="en-US" b="1" dirty="0" smtClean="0"/>
           </a:p>
           <a:p>
             <a:pPr marL="0" indent="0">
@@ -9391,8 +9384,8 @@
               <a:t>\</a:t>
             </a:r>
             <a:r>
-              <a:rPr lang="en-US" b="1" dirty="0" smtClean="0"/>
-              <a:t>references\heads\</a:t>
+              <a:rPr lang="en-US" b="1" dirty="0"/>
+              <a:t>references\branches\</a:t>
             </a:r>
             <a:r>
               <a:rPr lang="en-US" b="1" dirty="0" smtClean="0">
@@ -9406,6 +9399,7 @@
               <a:rPr lang="en-US" b="1" dirty="0" smtClean="0"/>
               <a:t>.txt</a:t>
             </a:r>
+            <a:endParaRPr lang="en-US" b="1" dirty="0" smtClean="0"/>
           </a:p>
           <a:p>
             <a:pPr marL="0" indent="0">
@@ -9432,8 +9426,8 @@
               <a:t>\</a:t>
             </a:r>
             <a:r>
-              <a:rPr lang="en-US" b="1" dirty="0" smtClean="0"/>
-              <a:t>references\heads\</a:t>
+              <a:rPr lang="en-US" b="1" dirty="0"/>
+              <a:t>references\branches\</a:t>
             </a:r>
             <a:r>
               <a:rPr lang="en-US" b="1" dirty="0" smtClean="0">
@@ -9447,6 +9441,7 @@
               <a:rPr lang="en-US" b="1" dirty="0" smtClean="0"/>
               <a:t>.txt</a:t>
             </a:r>
+            <a:endParaRPr lang="en-US" b="1" dirty="0" smtClean="0"/>
           </a:p>
           <a:p>
             <a:pPr marL="0" indent="0">
@@ -9491,7 +9486,7 @@
         </p:nvSpPr>
         <p:spPr>
           <a:xfrm>
-            <a:off x="7825853" y="4001294"/>
+            <a:off x="8174196" y="4001294"/>
             <a:ext cx="2573741" cy="584775"/>
           </a:xfrm>
           <a:prstGeom prst="rect">
@@ -9534,7 +9529,7 @@
         </p:nvSpPr>
         <p:spPr>
           <a:xfrm>
-            <a:off x="8524164" y="4504353"/>
+            <a:off x="8839850" y="4563412"/>
             <a:ext cx="2573741" cy="584775"/>
           </a:xfrm>
           <a:prstGeom prst="rect">
@@ -9577,7 +9572,7 @@
         </p:nvSpPr>
         <p:spPr>
           <a:xfrm>
-            <a:off x="8908006" y="4990737"/>
+            <a:off x="9445713" y="4990736"/>
             <a:ext cx="2573741" cy="584775"/>
           </a:xfrm>
           <a:prstGeom prst="rect">
@@ -10194,11 +10189,6 @@
               </a:rPr>
               <a:t>Release-1.0</a:t>
             </a:r>
-            <a:endParaRPr lang="en-US" b="1" dirty="0" smtClean="0">
-              <a:solidFill>
-                <a:schemeClr val="bg1"/>
-              </a:solidFill>
-            </a:endParaRPr>
           </a:p>
         </p:txBody>
       </p:sp>
@@ -10937,11 +10927,6 @@
               </a:rPr>
               <a:t>Release-1.0</a:t>
             </a:r>
-            <a:endParaRPr lang="en-US" b="1" dirty="0" smtClean="0">
-              <a:solidFill>
-                <a:schemeClr val="bg1"/>
-              </a:solidFill>
-            </a:endParaRPr>
           </a:p>
         </p:txBody>
       </p:sp>
@@ -11585,11 +11570,7 @@
             </a:r>
             <a:r>
               <a:rPr lang="ru-RU" dirty="0" smtClean="0"/>
-              <a:t> </a:t>
-            </a:r>
-            <a:r>
-              <a:rPr lang="ru-RU" dirty="0" smtClean="0"/>
-              <a:t>вещь - используем!</a:t>
+              <a:t> вещь - используем!</a:t>
             </a:r>
             <a:endParaRPr lang="en-US" dirty="0"/>
           </a:p>
@@ -11615,11 +11596,7 @@
             </a:pPr>
             <a:r>
               <a:rPr lang="ru-RU" dirty="0" smtClean="0"/>
-              <a:t>Но указатели </a:t>
-            </a:r>
-            <a:r>
-              <a:rPr lang="ru-RU" dirty="0" smtClean="0"/>
-              <a:t>не постоянны  (меняются при </a:t>
+              <a:t>Но указатели не постоянны  (меняются при </a:t>
             </a:r>
             <a:r>
               <a:rPr lang="ru-RU" dirty="0" err="1" smtClean="0"/>
@@ -11637,7 +11614,6 @@
               <a:rPr lang="ru-RU" dirty="0" smtClean="0"/>
               <a:t>)</a:t>
             </a:r>
-            <a:endParaRPr lang="ru-RU" dirty="0" smtClean="0"/>
           </a:p>
           <a:p>
             <a:pPr marL="0" indent="0">
@@ -11790,11 +11766,7 @@
           <a:p>
             <a:r>
               <a:rPr lang="ru-RU" dirty="0" smtClean="0"/>
-              <a:t>Теперь </a:t>
-            </a:r>
-            <a:r>
-              <a:rPr lang="ru-RU" dirty="0" smtClean="0"/>
-              <a:t>наши папки выглядят так</a:t>
+              <a:t>Теперь наши папки выглядят так</a:t>
             </a:r>
             <a:endParaRPr lang="en-US" dirty="0"/>
           </a:p>
@@ -12010,12 +11982,8 @@
               <a:t>\</a:t>
             </a:r>
             <a:r>
-              <a:rPr lang="en-US" b="1" dirty="0" smtClean="0"/>
-              <a:t>references\heads</a:t>
-            </a:r>
-            <a:r>
               <a:rPr lang="en-US" b="1" dirty="0"/>
-              <a:t>\</a:t>
+              <a:t>references\branches\</a:t>
             </a:r>
             <a:r>
               <a:rPr lang="en-US" b="1" dirty="0" smtClean="0">
@@ -12029,6 +11997,7 @@
               <a:rPr lang="en-US" b="1" dirty="0" smtClean="0"/>
               <a:t>.txt</a:t>
             </a:r>
+            <a:endParaRPr lang="en-US" b="1" dirty="0" smtClean="0"/>
           </a:p>
           <a:p>
             <a:pPr marL="0" indent="0">
@@ -12055,8 +12024,8 @@
               <a:t>\</a:t>
             </a:r>
             <a:r>
-              <a:rPr lang="en-US" b="1" dirty="0" smtClean="0"/>
-              <a:t>references\heads\</a:t>
+              <a:rPr lang="en-US" b="1" dirty="0"/>
+              <a:t>references\branches\</a:t>
             </a:r>
             <a:r>
               <a:rPr lang="en-US" b="1" dirty="0" smtClean="0">
@@ -12070,6 +12039,7 @@
               <a:rPr lang="en-US" b="1" dirty="0" smtClean="0"/>
               <a:t>.txt</a:t>
             </a:r>
+            <a:endParaRPr lang="en-US" b="1" dirty="0" smtClean="0"/>
           </a:p>
           <a:p>
             <a:pPr marL="0" indent="0">
@@ -12119,7 +12089,6 @@
               <a:rPr lang="en-US" b="1" dirty="0" smtClean="0"/>
               <a:t>.txt</a:t>
             </a:r>
-            <a:endParaRPr lang="en-US" b="1" dirty="0" smtClean="0"/>
           </a:p>
           <a:p>
             <a:pPr marL="0" indent="0">
@@ -12169,7 +12138,6 @@
               <a:rPr lang="en-US" b="1" dirty="0" smtClean="0"/>
               <a:t>.txt</a:t>
             </a:r>
-            <a:endParaRPr lang="en-US" b="1" dirty="0" smtClean="0"/>
           </a:p>
           <a:p>
             <a:pPr marL="0" indent="0">
@@ -12214,7 +12182,7 @@
         </p:nvSpPr>
         <p:spPr>
           <a:xfrm>
-            <a:off x="7853148" y="3564566"/>
+            <a:off x="8186381" y="3580573"/>
             <a:ext cx="2573741" cy="523220"/>
           </a:xfrm>
           <a:prstGeom prst="rect">
@@ -12257,7 +12225,7 @@
         </p:nvSpPr>
         <p:spPr>
           <a:xfrm>
-            <a:off x="8483220" y="4001294"/>
+            <a:off x="8780059" y="4013618"/>
             <a:ext cx="2573741" cy="523220"/>
           </a:xfrm>
           <a:prstGeom prst="rect">
@@ -13871,11 +13839,7 @@
             </a:r>
             <a:r>
               <a:rPr lang="ru-RU" dirty="0" smtClean="0"/>
-              <a:t>опируем </a:t>
-            </a:r>
-            <a:r>
-              <a:rPr lang="ru-RU" dirty="0" smtClean="0"/>
-              <a:t>все файлы и отправляем другому разработчику</a:t>
+              <a:t>опируем все файлы и отправляем другому разработчику</a:t>
             </a:r>
             <a:r>
               <a:rPr lang="en-US" dirty="0" smtClean="0"/>
@@ -13894,19 +13858,7 @@
             </a:pPr>
             <a:r>
               <a:rPr lang="ru-RU" dirty="0" smtClean="0"/>
-              <a:t>Он можно </a:t>
-            </a:r>
-            <a:r>
-              <a:rPr lang="ru-RU" dirty="0" smtClean="0"/>
-              <a:t>работать в </a:t>
-            </a:r>
-            <a:r>
-              <a:rPr lang="ru-RU" dirty="0" smtClean="0"/>
-              <a:t>асинхронно с первых</a:t>
-            </a:r>
-            <a:r>
-              <a:rPr lang="ru-RU" dirty="0" smtClean="0"/>
-              <a:t>, </a:t>
+              <a:t>Он можно работать в асинхронно с первых, </a:t>
             </a:r>
             <a:r>
               <a:rPr lang="ru-RU" dirty="0" err="1" smtClean="0"/>
@@ -13914,23 +13866,7 @@
             </a:r>
             <a:r>
               <a:rPr lang="ru-RU" dirty="0" smtClean="0"/>
-              <a:t>, </a:t>
-            </a:r>
-            <a:r>
-              <a:rPr lang="ru-RU" dirty="0" smtClean="0"/>
-              <a:t>быстро </a:t>
-            </a:r>
-            <a:r>
-              <a:rPr lang="ru-RU" dirty="0" smtClean="0"/>
-              <a:t>смотреть историю и </a:t>
-            </a:r>
-            <a:r>
-              <a:rPr lang="ru-RU" dirty="0" smtClean="0"/>
-              <a:t>т.д</a:t>
-            </a:r>
-            <a:r>
-              <a:rPr lang="ru-RU" dirty="0" smtClean="0"/>
-              <a:t>. </a:t>
+              <a:t>, быстро смотреть историю и т.д. </a:t>
             </a:r>
             <a:endParaRPr lang="en-US" dirty="0"/>
           </a:p>
@@ -13990,11 +13926,7 @@
           <a:p>
             <a:r>
               <a:rPr lang="ru-RU" dirty="0" smtClean="0"/>
-              <a:t>Но появилась новая </a:t>
-            </a:r>
-            <a:r>
-              <a:rPr lang="ru-RU" dirty="0" smtClean="0"/>
-              <a:t>проблема </a:t>
+              <a:t>Но появилась новая проблема </a:t>
             </a:r>
             <a:endParaRPr lang="en-US" dirty="0"/>
           </a:p>
@@ -14315,7 +14247,6 @@
               <a:rPr lang="ru-RU" dirty="0" smtClean="0"/>
               <a:t>99</a:t>
             </a:r>
-            <a:endParaRPr lang="ru-RU" dirty="0" smtClean="0"/>
           </a:p>
           <a:p>
             <a:pPr marL="0" indent="0">
@@ -14680,13 +14611,8 @@
             </a:pPr>
             <a:r>
               <a:rPr lang="ru-RU" dirty="0" smtClean="0"/>
-              <a:t>Берем </a:t>
-            </a:r>
-            <a:r>
-              <a:rPr lang="ru-RU" dirty="0" smtClean="0"/>
-              <a:t>сообщение</a:t>
-            </a:r>
-            <a:endParaRPr lang="ru-RU" dirty="0" smtClean="0"/>
+              <a:t>Берем сообщение</a:t>
+            </a:r>
           </a:p>
           <a:p>
             <a:pPr marL="0" indent="0">
@@ -15269,11 +15195,7 @@
             </a:pPr>
             <a:r>
               <a:rPr lang="ru-RU" dirty="0" smtClean="0"/>
-              <a:t>И используя </a:t>
-            </a:r>
-            <a:r>
-              <a:rPr lang="ru-RU" dirty="0" smtClean="0"/>
-              <a:t>магию</a:t>
+              <a:t>И используя магию</a:t>
             </a:r>
             <a:r>
               <a:rPr lang="en-US" dirty="0"/>
@@ -15281,15 +15203,7 @@
             </a:r>
             <a:r>
               <a:rPr lang="ru-RU" dirty="0" smtClean="0"/>
-              <a:t>получаем </a:t>
-            </a:r>
-            <a:r>
-              <a:rPr lang="ru-RU" dirty="0" smtClean="0"/>
-              <a:t>вот такую </a:t>
-            </a:r>
-            <a:r>
-              <a:rPr lang="ru-RU" dirty="0" smtClean="0"/>
-              <a:t>строку</a:t>
+              <a:t>получаем вот такую строку</a:t>
             </a:r>
           </a:p>
           <a:p>
@@ -15323,11 +15237,7 @@
             </a:pPr>
             <a:r>
               <a:rPr lang="ru-RU" dirty="0" smtClean="0"/>
-              <a:t>Это и будет новым </a:t>
-            </a:r>
-            <a:r>
-              <a:rPr lang="ru-RU" dirty="0" smtClean="0"/>
-              <a:t>именем.</a:t>
+              <a:t>Это и будет новым именем.</a:t>
             </a:r>
             <a:endParaRPr lang="en-US" dirty="0"/>
           </a:p>
@@ -19212,7 +19122,6 @@
               <a:rPr lang="en-US" dirty="0"/>
               <a:t> checkout -b new-branch</a:t>
             </a:r>
-            <a:endParaRPr lang="en-US" dirty="0"/>
           </a:p>
         </p:txBody>
       </p:sp>
@@ -19305,7 +19214,6 @@
               <a:rPr lang="en-US" dirty="0"/>
               <a:t> branch --force master origin/master</a:t>
             </a:r>
-            <a:endParaRPr lang="en-US" dirty="0"/>
           </a:p>
         </p:txBody>
       </p:sp>
@@ -22114,7 +22022,12 @@
           <a:bodyPr/>
           <a:lstStyle/>
           <a:p>
-            <a:endParaRPr lang="en-US"/>
+            <a:pPr algn="ctr"/>
+            <a:r>
+              <a:rPr lang="ru-RU" dirty="0" smtClean="0"/>
+              <a:t>Вопросы?</a:t>
+            </a:r>
+            <a:endParaRPr lang="en-US" dirty="0"/>
           </a:p>
         </p:txBody>
       </p:sp>
@@ -22133,48 +22046,6 @@
           <a:bodyPr/>
           <a:lstStyle/>
           <a:p>
-            <a:r>
-              <a:rPr lang="ru-RU" dirty="0" smtClean="0"/>
-              <a:t>Не гитом единым</a:t>
-            </a:r>
-          </a:p>
-          <a:p>
-            <a:endParaRPr lang="ru-RU" dirty="0"/>
-          </a:p>
-          <a:p>
-            <a:r>
-              <a:rPr lang="ru-RU" dirty="0" err="1" smtClean="0"/>
-              <a:t>tfs</a:t>
-            </a:r>
-            <a:r>
-              <a:rPr lang="ru-RU" dirty="0" smtClean="0"/>
-              <a:t>,  </a:t>
-            </a:r>
-            <a:r>
-              <a:rPr lang="ru-RU" dirty="0" err="1" smtClean="0"/>
-              <a:t>commitы</a:t>
-            </a:r>
-            <a:r>
-              <a:rPr lang="ru-RU" dirty="0" smtClean="0"/>
-              <a:t> в несколько веток и </a:t>
-            </a:r>
-            <a:r>
-              <a:rPr lang="ru-RU" dirty="0" err="1" smtClean="0"/>
-              <a:t>тд</a:t>
-            </a:r>
-            <a:endParaRPr lang="ru-RU" dirty="0" smtClean="0"/>
-          </a:p>
-          <a:p>
-            <a:r>
-              <a:rPr lang="ru-RU" dirty="0" smtClean="0"/>
-              <a:t>Разные подходы</a:t>
-            </a:r>
-          </a:p>
-          <a:p>
-            <a:r>
-              <a:rPr lang="ru-RU" dirty="0" smtClean="0"/>
-              <a:t>Кроме самых простых</a:t>
-            </a:r>
             <a:endParaRPr lang="en-US" dirty="0"/>
           </a:p>
         </p:txBody>
@@ -22182,20 +22053,113 @@
     </p:spTree>
     <p:extLst>
       <p:ext uri="{BB962C8B-B14F-4D97-AF65-F5344CB8AC3E}">
-        <p14:creationId xmlns:p14="http://schemas.microsoft.com/office/powerpoint/2010/main" val="1490701688"/>
+        <p14:creationId xmlns:p14="http://schemas.microsoft.com/office/powerpoint/2010/main" val="1064229997"/>
       </p:ext>
     </p:extLst>
   </p:cSld>
   <p:clrMapOvr>
     <a:masterClrMapping/>
   </p:clrMapOvr>
-  <p:timing>
-    <p:tnLst>
-      <p:par>
-        <p:cTn id="1" dur="indefinite" restart="never" nodeType="tmRoot"/>
-      </p:par>
-    </p:tnLst>
-  </p:timing>
+</p:sld>
+</file>
+
+<file path=ppt/slides/slide73.xml><?xml version="1.0" encoding="utf-8"?>
+<p:sld xmlns:a="http://schemas.openxmlformats.org/drawingml/2006/main" xmlns:r="http://schemas.openxmlformats.org/officeDocument/2006/relationships" xmlns:p="http://schemas.openxmlformats.org/presentationml/2006/main">
+  <p:cSld>
+    <p:spTree>
+      <p:nvGrpSpPr>
+        <p:cNvPr id="1" name=""/>
+        <p:cNvGrpSpPr/>
+        <p:nvPr/>
+      </p:nvGrpSpPr>
+      <p:grpSpPr>
+        <a:xfrm>
+          <a:off x="0" y="0"/>
+          <a:ext cx="0" cy="0"/>
+          <a:chOff x="0" y="0"/>
+          <a:chExt cx="0" cy="0"/>
+        </a:xfrm>
+      </p:grpSpPr>
+      <p:sp>
+        <p:nvSpPr>
+          <p:cNvPr id="2" name="Title 1"/>
+          <p:cNvSpPr>
+            <a:spLocks noGrp="1"/>
+          </p:cNvSpPr>
+          <p:nvPr>
+            <p:ph type="title"/>
+          </p:nvPr>
+        </p:nvSpPr>
+        <p:spPr/>
+        <p:txBody>
+          <a:bodyPr/>
+          <a:lstStyle/>
+          <a:p>
+            <a:endParaRPr lang="en-US"/>
+          </a:p>
+        </p:txBody>
+      </p:sp>
+      <p:sp>
+        <p:nvSpPr>
+          <p:cNvPr id="3" name="Content Placeholder 2"/>
+          <p:cNvSpPr>
+            <a:spLocks noGrp="1"/>
+          </p:cNvSpPr>
+          <p:nvPr>
+            <p:ph idx="1"/>
+          </p:nvPr>
+        </p:nvSpPr>
+        <p:spPr/>
+        <p:txBody>
+          <a:bodyPr/>
+          <a:lstStyle/>
+          <a:p>
+            <a:pPr marL="0" indent="0">
+              <a:buNone/>
+            </a:pPr>
+            <a:r>
+              <a:rPr lang="ru-RU" dirty="0" smtClean="0"/>
+              <a:t>Указать виды тегов (два)</a:t>
+            </a:r>
+          </a:p>
+          <a:p>
+            <a:pPr marL="0" indent="0">
+              <a:buNone/>
+            </a:pPr>
+            <a:r>
+              <a:rPr lang="en-US" dirty="0"/>
+              <a:t>nuclear weapon </a:t>
+            </a:r>
+            <a:r>
+              <a:rPr lang="ru-RU" dirty="0"/>
+              <a:t>с </a:t>
+            </a:r>
+            <a:r>
+              <a:rPr lang="en-US" b="1" dirty="0">
+                <a:hlinkClick r:id="rId2"/>
+              </a:rPr>
+              <a:t>filter-branch</a:t>
+            </a:r>
+            <a:endParaRPr lang="en-US" b="1" dirty="0"/>
+          </a:p>
+          <a:p>
+            <a:pPr marL="0" indent="0">
+              <a:buNone/>
+            </a:pPr>
+            <a:endParaRPr lang="en-US" dirty="0"/>
+          </a:p>
+        </p:txBody>
+      </p:sp>
+    </p:spTree>
+    <p:extLst>
+      <p:ext uri="{BB962C8B-B14F-4D97-AF65-F5344CB8AC3E}">
+        <p14:creationId xmlns:p14="http://schemas.microsoft.com/office/powerpoint/2010/main" val="1881246105"/>
+      </p:ext>
+    </p:extLst>
+  </p:cSld>
+  <p:clrMapOvr>
+    <a:masterClrMapping/>
+  </p:clrMapOvr>
 </p:sld>
 </file>
 
